--- a/Microservice04.pptx
+++ b/Microservice04.pptx
@@ -195,7 +195,7 @@
             <a:fld id="{1AA0A25A-0933-4BB6-AB00-1CCD3F98FE01}" type="datetimeFigureOut">
               <a:rPr lang="zh-TW" altLang="en-US" smtClean="0"/>
               <a:pPr/>
-              <a:t>2019/8/6</a:t>
+              <a:t>2019/8/21</a:t>
             </a:fld>
             <a:endParaRPr lang="zh-TW" altLang="en-US"/>
           </a:p>
@@ -643,7 +643,7 @@
             <a:fld id="{FD877D34-32F8-4B33-9092-4B8820F5807F}" type="datetimeFigureOut">
               <a:rPr lang="zh-TW" altLang="en-US" smtClean="0"/>
               <a:pPr/>
-              <a:t>2019/8/6</a:t>
+              <a:t>2019/8/21</a:t>
             </a:fld>
             <a:endParaRPr lang="zh-TW" altLang="en-US"/>
           </a:p>
@@ -810,7 +810,7 @@
             <a:fld id="{FD877D34-32F8-4B33-9092-4B8820F5807F}" type="datetimeFigureOut">
               <a:rPr lang="zh-TW" altLang="en-US" smtClean="0"/>
               <a:pPr/>
-              <a:t>2019/8/6</a:t>
+              <a:t>2019/8/21</a:t>
             </a:fld>
             <a:endParaRPr lang="zh-TW" altLang="en-US"/>
           </a:p>
@@ -987,7 +987,7 @@
             <a:fld id="{FD877D34-32F8-4B33-9092-4B8820F5807F}" type="datetimeFigureOut">
               <a:rPr lang="zh-TW" altLang="en-US" smtClean="0"/>
               <a:pPr/>
-              <a:t>2019/8/6</a:t>
+              <a:t>2019/8/21</a:t>
             </a:fld>
             <a:endParaRPr lang="zh-TW" altLang="en-US"/>
           </a:p>
@@ -1154,7 +1154,7 @@
             <a:fld id="{FD877D34-32F8-4B33-9092-4B8820F5807F}" type="datetimeFigureOut">
               <a:rPr lang="zh-TW" altLang="en-US" smtClean="0"/>
               <a:pPr/>
-              <a:t>2019/8/6</a:t>
+              <a:t>2019/8/21</a:t>
             </a:fld>
             <a:endParaRPr lang="zh-TW" altLang="en-US"/>
           </a:p>
@@ -1397,7 +1397,7 @@
             <a:fld id="{FD877D34-32F8-4B33-9092-4B8820F5807F}" type="datetimeFigureOut">
               <a:rPr lang="zh-TW" altLang="en-US" smtClean="0"/>
               <a:pPr/>
-              <a:t>2019/8/6</a:t>
+              <a:t>2019/8/21</a:t>
             </a:fld>
             <a:endParaRPr lang="zh-TW" altLang="en-US"/>
           </a:p>
@@ -1682,7 +1682,7 @@
             <a:fld id="{FD877D34-32F8-4B33-9092-4B8820F5807F}" type="datetimeFigureOut">
               <a:rPr lang="zh-TW" altLang="en-US" smtClean="0"/>
               <a:pPr/>
-              <a:t>2019/8/6</a:t>
+              <a:t>2019/8/21</a:t>
             </a:fld>
             <a:endParaRPr lang="zh-TW" altLang="en-US"/>
           </a:p>
@@ -2101,7 +2101,7 @@
             <a:fld id="{FD877D34-32F8-4B33-9092-4B8820F5807F}" type="datetimeFigureOut">
               <a:rPr lang="zh-TW" altLang="en-US" smtClean="0"/>
               <a:pPr/>
-              <a:t>2019/8/6</a:t>
+              <a:t>2019/8/21</a:t>
             </a:fld>
             <a:endParaRPr lang="zh-TW" altLang="en-US"/>
           </a:p>
@@ -2216,7 +2216,7 @@
             <a:fld id="{FD877D34-32F8-4B33-9092-4B8820F5807F}" type="datetimeFigureOut">
               <a:rPr lang="zh-TW" altLang="en-US" smtClean="0"/>
               <a:pPr/>
-              <a:t>2019/8/6</a:t>
+              <a:t>2019/8/21</a:t>
             </a:fld>
             <a:endParaRPr lang="zh-TW" altLang="en-US"/>
           </a:p>
@@ -2308,7 +2308,7 @@
             <a:fld id="{FD877D34-32F8-4B33-9092-4B8820F5807F}" type="datetimeFigureOut">
               <a:rPr lang="zh-TW" altLang="en-US" smtClean="0"/>
               <a:pPr/>
-              <a:t>2019/8/6</a:t>
+              <a:t>2019/8/21</a:t>
             </a:fld>
             <a:endParaRPr lang="zh-TW" altLang="en-US"/>
           </a:p>
@@ -2582,7 +2582,7 @@
             <a:fld id="{FD877D34-32F8-4B33-9092-4B8820F5807F}" type="datetimeFigureOut">
               <a:rPr lang="zh-TW" altLang="en-US" smtClean="0"/>
               <a:pPr/>
-              <a:t>2019/8/6</a:t>
+              <a:t>2019/8/21</a:t>
             </a:fld>
             <a:endParaRPr lang="zh-TW" altLang="en-US"/>
           </a:p>
@@ -2832,7 +2832,7 @@
             <a:fld id="{FD877D34-32F8-4B33-9092-4B8820F5807F}" type="datetimeFigureOut">
               <a:rPr lang="zh-TW" altLang="en-US" smtClean="0"/>
               <a:pPr/>
-              <a:t>2019/8/6</a:t>
+              <a:t>2019/8/21</a:t>
             </a:fld>
             <a:endParaRPr lang="zh-TW" altLang="en-US"/>
           </a:p>
@@ -3042,7 +3042,7 @@
             <a:fld id="{FD877D34-32F8-4B33-9092-4B8820F5807F}" type="datetimeFigureOut">
               <a:rPr lang="zh-TW" altLang="en-US" smtClean="0"/>
               <a:pPr/>
-              <a:t>2019/8/6</a:t>
+              <a:t>2019/8/21</a:t>
             </a:fld>
             <a:endParaRPr lang="zh-TW" altLang="en-US"/>
           </a:p>
@@ -3430,11 +3430,7 @@
           <a:p>
             <a:r>
               <a:rPr lang="en-US" altLang="zh-TW" smtClean="0"/>
-              <a:t>Cloud </a:t>
-            </a:r>
-            <a:r>
-              <a:rPr lang="en-US" altLang="zh-TW" smtClean="0"/>
-              <a:t>Services -AWS</a:t>
+              <a:t>Cloud Services -AWS</a:t>
             </a:r>
             <a:endParaRPr lang="zh-TW" altLang="en-US" dirty="0"/>
           </a:p>
@@ -3514,7 +3510,6 @@
               <a:rPr lang="en-US" altLang="zh-TW" dirty="0" smtClean="0"/>
               <a:t>Microservice &amp; Cloud Services Platform</a:t>
             </a:r>
-            <a:endParaRPr lang="en-US" altLang="zh-TW" dirty="0" smtClean="0"/>
           </a:p>
           <a:p>
             <a:r>
@@ -3542,7 +3537,6 @@
               <a:rPr lang="en-US" altLang="zh-TW" dirty="0" smtClean="0"/>
               <a:t>Azure (Microsoft)</a:t>
             </a:r>
-            <a:endParaRPr lang="en-US" altLang="zh-TW" dirty="0" smtClean="0"/>
           </a:p>
           <a:p>
             <a:r>
@@ -3568,11 +3562,7 @@
             <a:pPr lvl="1"/>
             <a:r>
               <a:rPr lang="en-US" altLang="zh-TW" dirty="0" smtClean="0"/>
-              <a:t>EC2 – VM </a:t>
-            </a:r>
-            <a:r>
-              <a:rPr lang="en-US" altLang="zh-TW" dirty="0" smtClean="0"/>
-              <a:t>instance</a:t>
+              <a:t>EC2 – VM instance</a:t>
             </a:r>
           </a:p>
           <a:p>
@@ -3773,6 +3763,15 @@
                 <a:hlinkClick r:id="rId2"/>
               </a:rPr>
               <a:t>/</a:t>
+            </a:r>
+            <a:endParaRPr lang="en-US" altLang="zh-TW" dirty="0" smtClean="0"/>
+          </a:p>
+          <a:p>
+            <a:r>
+              <a:rPr lang="en-US" altLang="zh-TW" dirty="0" smtClean="0">
+                <a:hlinkClick r:id="rId3"/>
+              </a:rPr>
+              <a:t>https://aws.amazon.com/tw/free/?all-free-tier.sort-by=item.additionalFields.SortRank&amp;all-free-tier.sort-order=asc</a:t>
             </a:r>
             <a:endParaRPr lang="en-US" altLang="zh-TW" dirty="0" smtClean="0"/>
           </a:p>
